--- a/fuentes/contenidos/grado07/guion12/MapaConceptual_MA_07_12.pptx
+++ b/fuentes/contenidos/grado07/guion12/MapaConceptual_MA_07_12.pptx
@@ -450,7 +450,7 @@
           <a:p>
             <a:fld id="{5001C876-01F7-4317-94B9-1AE222133113}" type="datetimeFigureOut">
               <a:rPr lang="es-ES" smtClean="0"/>
-              <a:t>09/12/2015</a:t>
+              <a:t>17/01/2016</a:t>
             </a:fld>
             <a:endParaRPr lang="es-ES"/>
           </a:p>
@@ -1564,7 +1564,7 @@
                 <a:latin typeface="Arial" panose="020B0604020202020204" pitchFamily="34" charset="0"/>
                 <a:cs typeface="Arial" panose="020B0604020202020204" pitchFamily="34" charset="0"/>
               </a:rPr>
-              <a:t>nodo de cuarto nivel</a:t>
+              <a:t>ampliaciones y reducciones</a:t>
             </a:r>
             <a:endParaRPr lang="es-ES" sz="900" dirty="0">
               <a:solidFill>
@@ -2296,13 +2296,17 @@
                 <a:latin typeface="Arial" panose="020B0604020202020204" pitchFamily="34" charset="0"/>
                 <a:cs typeface="Arial" panose="020B0604020202020204" pitchFamily="34" charset="0"/>
               </a:rPr>
-              <a:t>Una ampliación si k &gt; 1</a:t>
-            </a:r>
-          </a:p>
-          <a:p>
-            <a:r>
-              <a:rPr lang="es-CO" sz="900" dirty="0" smtClean="0"/>
-              <a:t>⋅ </a:t>
+              <a:t>Una ampliación si </a:t>
+            </a:r>
+            <a:r>
+              <a:rPr lang="es-ES" sz="900" i="1" dirty="0" smtClean="0">
+                <a:solidFill>
+                  <a:schemeClr val="tx1"/>
+                </a:solidFill>
+                <a:latin typeface="Arial" panose="020B0604020202020204" pitchFamily="34" charset="0"/>
+                <a:cs typeface="Arial" panose="020B0604020202020204" pitchFamily="34" charset="0"/>
+              </a:rPr>
+              <a:t>k</a:t>
             </a:r>
             <a:r>
               <a:rPr lang="es-ES" sz="900" dirty="0" smtClean="0">
@@ -2312,7 +2316,7 @@
                 <a:latin typeface="Arial" panose="020B0604020202020204" pitchFamily="34" charset="0"/>
                 <a:cs typeface="Arial" panose="020B0604020202020204" pitchFamily="34" charset="0"/>
               </a:rPr>
-              <a:t>Una reducción si k &lt; 1</a:t>
+              <a:t> &gt; 1</a:t>
             </a:r>
           </a:p>
           <a:p>
@@ -2328,7 +2332,63 @@
                 <a:latin typeface="Arial" panose="020B0604020202020204" pitchFamily="34" charset="0"/>
                 <a:cs typeface="Arial" panose="020B0604020202020204" pitchFamily="34" charset="0"/>
               </a:rPr>
-              <a:t>Una congruencia si k = 1</a:t>
+              <a:t>Una reducción si </a:t>
+            </a:r>
+            <a:r>
+              <a:rPr lang="es-ES" sz="900" i="1" dirty="0" smtClean="0">
+                <a:solidFill>
+                  <a:schemeClr val="tx1"/>
+                </a:solidFill>
+                <a:latin typeface="Arial" panose="020B0604020202020204" pitchFamily="34" charset="0"/>
+                <a:cs typeface="Arial" panose="020B0604020202020204" pitchFamily="34" charset="0"/>
+              </a:rPr>
+              <a:t>k</a:t>
+            </a:r>
+            <a:r>
+              <a:rPr lang="es-ES" sz="900" dirty="0" smtClean="0">
+                <a:solidFill>
+                  <a:schemeClr val="tx1"/>
+                </a:solidFill>
+                <a:latin typeface="Arial" panose="020B0604020202020204" pitchFamily="34" charset="0"/>
+                <a:cs typeface="Arial" panose="020B0604020202020204" pitchFamily="34" charset="0"/>
+              </a:rPr>
+              <a:t> &lt; 1</a:t>
+            </a:r>
+          </a:p>
+          <a:p>
+            <a:r>
+              <a:rPr lang="es-CO" sz="900" dirty="0" smtClean="0"/>
+              <a:t>⋅ </a:t>
+            </a:r>
+            <a:r>
+              <a:rPr lang="es-ES" sz="900" dirty="0" smtClean="0">
+                <a:solidFill>
+                  <a:schemeClr val="tx1"/>
+                </a:solidFill>
+                <a:latin typeface="Arial" panose="020B0604020202020204" pitchFamily="34" charset="0"/>
+                <a:cs typeface="Arial" panose="020B0604020202020204" pitchFamily="34" charset="0"/>
+              </a:rPr>
+              <a:t>Una congruencia si </a:t>
+            </a:r>
+            <a:r>
+              <a:rPr lang="es-ES" sz="900" i="1" dirty="0" smtClean="0">
+                <a:solidFill>
+                  <a:schemeClr val="tx1"/>
+                </a:solidFill>
+                <a:latin typeface="Arial" panose="020B0604020202020204" pitchFamily="34" charset="0"/>
+                <a:cs typeface="Arial" panose="020B0604020202020204" pitchFamily="34" charset="0"/>
+              </a:rPr>
+              <a:t>k</a:t>
+            </a:r>
+            <a:r>
+              <a:rPr lang="es-ES" sz="900" dirty="0" smtClean="0">
+                <a:solidFill>
+                  <a:schemeClr val="tx1"/>
+                </a:solidFill>
+                <a:latin typeface="Arial" panose="020B0604020202020204" pitchFamily="34" charset="0"/>
+                <a:cs typeface="Arial" panose="020B0604020202020204" pitchFamily="34" charset="0"/>
+              </a:rPr>
+              <a:t> = 1</a:t>
             </a:r>
             <a:endParaRPr lang="es-ES" sz="900" dirty="0">
               <a:solidFill>
@@ -2403,7 +2463,7 @@
               <a:t>k</a:t>
             </a:r>
             <a:r>
-              <a:rPr lang="es-ES" sz="900" baseline="30000" dirty="0" smtClean="0">
+              <a:rPr lang="es-ES" sz="900" i="1" baseline="30000" dirty="0" smtClean="0">
                 <a:solidFill>
                   <a:schemeClr val="tx1"/>
                 </a:solidFill>
